--- a/Проект ФОТ.pptx
+++ b/Проект ФОТ.pptx
@@ -327,6 +327,11 @@
       </a:defRPr>
     </a:lvl9pPr>
   </p:defaultTextStyle>
+  <p:extLst>
+    <p:ext uri="{EFAFB233-063F-42B5-8137-9DF3F51BA10A}">
+      <p15:sldGuideLst xmlns:p15="http://schemas.microsoft.com/office/powerpoint/2012/main"/>
+    </p:ext>
+  </p:extLst>
 </p:presentation>
 </file>
 
@@ -379,45 +384,6 @@
             <a:effectLst/>
           </c:spPr>
           <c:invertIfNegative val="0"/>
-          <c:dLbls>
-            <c:numFmt formatCode="0.0%" sourceLinked="0"/>
-            <c:spPr>
-              <a:noFill/>
-              <a:ln>
-                <a:noFill/>
-              </a:ln>
-              <a:effectLst/>
-            </c:spPr>
-            <c:txPr>
-              <a:bodyPr/>
-              <a:lstStyle/>
-              <a:p>
-                <a:pPr>
-                  <a:defRPr sz="900" b="0" i="0" u="none" strike="noStrike">
-                    <a:solidFill>
-                      <a:srgbClr val="404040"/>
-                    </a:solidFill>
-                    <a:latin typeface="Calibri"/>
-                  </a:defRPr>
-                </a:pPr>
-                <a:endParaRPr lang="ru-RU"/>
-              </a:p>
-            </c:txPr>
-            <c:dLblPos val="outEnd"/>
-            <c:showLegendKey val="0"/>
-            <c:showVal val="1"/>
-            <c:showCatName val="0"/>
-            <c:showSerName val="0"/>
-            <c:showPercent val="0"/>
-            <c:showBubbleSize val="0"/>
-            <c:showLeaderLines val="0"/>
-            <c:extLst>
-              <c:ext xmlns:c15="http://schemas.microsoft.com/office/drawing/2012/chart" uri="{CE6537A1-D6FC-4f65-9D91-7224C49458BB}">
-                <c15:layout/>
-                <c15:showLeaderLines val="0"/>
-              </c:ext>
-            </c:extLst>
-          </c:dLbls>
           <c:cat>
             <c:strRef>
               <c:f>Sheet1!$B$1:$C$1</c:f>
@@ -478,45 +444,6 @@
             <a:effectLst/>
           </c:spPr>
           <c:invertIfNegative val="0"/>
-          <c:dLbls>
-            <c:numFmt formatCode="0.0%" sourceLinked="0"/>
-            <c:spPr>
-              <a:noFill/>
-              <a:ln>
-                <a:noFill/>
-              </a:ln>
-              <a:effectLst/>
-            </c:spPr>
-            <c:txPr>
-              <a:bodyPr/>
-              <a:lstStyle/>
-              <a:p>
-                <a:pPr>
-                  <a:defRPr sz="900" b="0" i="0" u="none" strike="noStrike">
-                    <a:solidFill>
-                      <a:srgbClr val="404040"/>
-                    </a:solidFill>
-                    <a:latin typeface="Calibri"/>
-                  </a:defRPr>
-                </a:pPr>
-                <a:endParaRPr lang="ru-RU"/>
-              </a:p>
-            </c:txPr>
-            <c:dLblPos val="outEnd"/>
-            <c:showLegendKey val="0"/>
-            <c:showVal val="1"/>
-            <c:showCatName val="0"/>
-            <c:showSerName val="0"/>
-            <c:showPercent val="0"/>
-            <c:showBubbleSize val="0"/>
-            <c:showLeaderLines val="0"/>
-            <c:extLst>
-              <c:ext xmlns:c15="http://schemas.microsoft.com/office/drawing/2012/chart" uri="{CE6537A1-D6FC-4f65-9D91-7224C49458BB}">
-                <c15:layout/>
-                <c15:showLeaderLines val="0"/>
-              </c:ext>
-            </c:extLst>
-          </c:dLbls>
           <c:cat>
             <c:strRef>
               <c:f>Sheet1!$B$1:$C$1</c:f>
@@ -577,45 +504,6 @@
             <a:effectLst/>
           </c:spPr>
           <c:invertIfNegative val="0"/>
-          <c:dLbls>
-            <c:numFmt formatCode="0.0%" sourceLinked="0"/>
-            <c:spPr>
-              <a:noFill/>
-              <a:ln>
-                <a:noFill/>
-              </a:ln>
-              <a:effectLst/>
-            </c:spPr>
-            <c:txPr>
-              <a:bodyPr/>
-              <a:lstStyle/>
-              <a:p>
-                <a:pPr>
-                  <a:defRPr sz="900" b="0" i="0" u="none" strike="noStrike">
-                    <a:solidFill>
-                      <a:srgbClr val="404040"/>
-                    </a:solidFill>
-                    <a:latin typeface="Calibri"/>
-                  </a:defRPr>
-                </a:pPr>
-                <a:endParaRPr lang="ru-RU"/>
-              </a:p>
-            </c:txPr>
-            <c:dLblPos val="outEnd"/>
-            <c:showLegendKey val="0"/>
-            <c:showVal val="1"/>
-            <c:showCatName val="0"/>
-            <c:showSerName val="0"/>
-            <c:showPercent val="0"/>
-            <c:showBubbleSize val="0"/>
-            <c:showLeaderLines val="0"/>
-            <c:extLst>
-              <c:ext xmlns:c15="http://schemas.microsoft.com/office/drawing/2012/chart" uri="{CE6537A1-D6FC-4f65-9D91-7224C49458BB}">
-                <c15:layout/>
-                <c15:showLeaderLines val="0"/>
-              </c:ext>
-            </c:extLst>
-          </c:dLbls>
           <c:cat>
             <c:strRef>
               <c:f>Sheet1!$B$1:$C$1</c:f>
@@ -710,7 +598,7 @@
         <c:scaling>
           <c:orientation val="minMax"/>
         </c:scaling>
-        <c:delete val="0"/>
+        <c:delete val="1"/>
         <c:axPos val="l"/>
         <c:majorGridlines>
           <c:spPr>
@@ -727,28 +615,6 @@
         <c:majorTickMark val="none"/>
         <c:minorTickMark val="none"/>
         <c:tickLblPos val="nextTo"/>
-        <c:spPr>
-          <a:ln w="12700" cap="flat">
-            <a:noFill/>
-            <a:prstDash val="solid"/>
-            <a:round/>
-          </a:ln>
-        </c:spPr>
-        <c:txPr>
-          <a:bodyPr rot="0"/>
-          <a:lstStyle/>
-          <a:p>
-            <a:pPr>
-              <a:defRPr sz="900" b="0" i="0" u="none" strike="noStrike">
-                <a:solidFill>
-                  <a:srgbClr val="595959"/>
-                </a:solidFill>
-                <a:latin typeface="Calibri"/>
-              </a:defRPr>
-            </a:pPr>
-            <a:endParaRPr lang="ru-RU"/>
-          </a:p>
-        </c:txPr>
         <c:crossAx val="2094734552"/>
         <c:crosses val="autoZero"/>
         <c:crossBetween val="between"/>
@@ -868,14 +734,14 @@
               <a:t> работников по зарплатным </a:t>
             </a:r>
             <a:r>
-              <a:rPr lang="ru-RU" baseline="0" dirty="0" err="1" smtClean="0">
+              <a:rPr lang="ru-RU" baseline="0" dirty="0" err="1">
                 <a:solidFill>
                   <a:schemeClr val="tx1"/>
                 </a:solidFill>
               </a:rPr>
               <a:t>бакетам</a:t>
             </a:r>
-            <a:endParaRPr lang="ru-RU" baseline="0" dirty="0" smtClean="0">
+            <a:endParaRPr lang="ru-RU" baseline="0" dirty="0">
               <a:solidFill>
                 <a:schemeClr val="tx1"/>
               </a:solidFill>
@@ -886,7 +752,7 @@
               <a:defRPr/>
             </a:pPr>
             <a:r>
-              <a:rPr lang="ru-RU" baseline="0" dirty="0" smtClean="0">
+              <a:rPr lang="ru-RU" baseline="0" dirty="0">
                 <a:solidFill>
                   <a:schemeClr val="tx1"/>
                 </a:solidFill>
@@ -901,7 +767,6 @@
           </a:p>
         </c:rich>
       </c:tx>
-      <c:layout/>
       <c:overlay val="0"/>
       <c:spPr>
         <a:noFill/>
@@ -1003,7 +868,6 @@
             <c:showLeaderLines val="0"/>
             <c:extLst>
               <c:ext xmlns:c15="http://schemas.microsoft.com/office/drawing/2012/chart" uri="{CE6537A1-D6FC-4f65-9D91-7224C49458BB}">
-                <c15:layout/>
                 <c15:showLeaderLines val="1"/>
                 <c15:leaderLines>
                   <c:spPr>
@@ -1127,14 +991,12 @@
                   </a:defRPr>
                 </a:pPr>
                 <a:r>
-                  <a:rPr lang="ru-RU" dirty="0" smtClean="0"/>
+                  <a:rPr lang="ru-RU" dirty="0"/>
                   <a:t>Тыс. руб.</a:t>
                 </a:r>
-                <a:endParaRPr lang="ru-RU" dirty="0"/>
               </a:p>
             </c:rich>
           </c:tx>
-          <c:layout/>
           <c:overlay val="0"/>
           <c:spPr>
             <a:noFill/>
@@ -1318,14 +1180,14 @@
               <a:t>Доля ФОТ по зарплатным </a:t>
             </a:r>
             <a:r>
-              <a:rPr lang="ru-RU" dirty="0" err="1" smtClean="0">
+              <a:rPr lang="ru-RU" dirty="0" err="1">
                 <a:solidFill>
                   <a:schemeClr val="tx1"/>
                 </a:solidFill>
               </a:rPr>
               <a:t>бакетам</a:t>
             </a:r>
-            <a:endParaRPr lang="ru-RU" dirty="0" smtClean="0">
+            <a:endParaRPr lang="ru-RU" dirty="0">
               <a:solidFill>
                 <a:schemeClr val="tx1"/>
               </a:solidFill>
@@ -1340,7 +1202,7 @@
               </a:defRPr>
             </a:pPr>
             <a:r>
-              <a:rPr lang="ru-RU" dirty="0" smtClean="0">
+              <a:rPr lang="ru-RU" dirty="0">
                 <a:solidFill>
                   <a:schemeClr val="tx1"/>
                 </a:solidFill>
@@ -1350,7 +1212,6 @@
           </a:p>
         </c:rich>
       </c:tx>
-      <c:layout/>
       <c:overlay val="0"/>
       <c:spPr>
         <a:noFill/>
@@ -1450,7 +1311,6 @@
             <c:showLeaderLines val="0"/>
             <c:extLst>
               <c:ext xmlns:c15="http://schemas.microsoft.com/office/drawing/2012/chart" uri="{CE6537A1-D6FC-4f65-9D91-7224C49458BB}">
-                <c15:layout/>
                 <c15:showLeaderLines val="1"/>
                 <c15:leaderLines>
                   <c:spPr>
@@ -1574,14 +1434,12 @@
                   </a:defRPr>
                 </a:pPr>
                 <a:r>
-                  <a:rPr lang="ru-RU" dirty="0" smtClean="0"/>
+                  <a:rPr lang="ru-RU" dirty="0"/>
                   <a:t>Тыс. руб.</a:t>
                 </a:r>
-                <a:endParaRPr lang="ru-RU" dirty="0"/>
               </a:p>
             </c:rich>
           </c:tx>
-          <c:layout/>
           <c:overlay val="0"/>
           <c:spPr>
             <a:noFill/>
@@ -1757,22 +1615,16 @@
               </a:defRPr>
             </a:pPr>
             <a:r>
-              <a:rPr lang="en-US" dirty="0" smtClean="0">
+              <a:rPr lang="en-US" dirty="0">
                 <a:solidFill>
                   <a:schemeClr val="tx1"/>
                 </a:solidFill>
               </a:rPr>
               <a:t>a</a:t>
             </a:r>
-            <a:endParaRPr lang="en-US" dirty="0">
-              <a:solidFill>
-                <a:schemeClr val="tx1"/>
-              </a:solidFill>
-            </a:endParaRPr>
           </a:p>
         </c:rich>
       </c:tx>
-      <c:layout/>
       <c:overlay val="0"/>
       <c:spPr>
         <a:noFill/>
@@ -2044,22 +1896,16 @@
               </a:defRPr>
             </a:pPr>
             <a:r>
-              <a:rPr lang="en-US" dirty="0" smtClean="0">
+              <a:rPr lang="en-US" dirty="0">
                 <a:solidFill>
                   <a:schemeClr val="tx1"/>
                 </a:solidFill>
               </a:rPr>
               <a:t>b</a:t>
             </a:r>
-            <a:endParaRPr lang="en-US" dirty="0">
-              <a:solidFill>
-                <a:schemeClr val="tx1"/>
-              </a:solidFill>
-            </a:endParaRPr>
           </a:p>
         </c:rich>
       </c:tx>
-      <c:layout/>
       <c:overlay val="0"/>
       <c:spPr>
         <a:noFill/>
@@ -2331,22 +2177,16 @@
               </a:defRPr>
             </a:pPr>
             <a:r>
-              <a:rPr lang="en-US" dirty="0" smtClean="0">
+              <a:rPr lang="en-US" dirty="0">
                 <a:solidFill>
                   <a:schemeClr val="tx1"/>
                 </a:solidFill>
               </a:rPr>
               <a:t>p</a:t>
             </a:r>
-            <a:endParaRPr lang="en-US" dirty="0">
-              <a:solidFill>
-                <a:schemeClr val="tx1"/>
-              </a:solidFill>
-            </a:endParaRPr>
           </a:p>
         </c:rich>
       </c:tx>
-      <c:layout/>
       <c:overlay val="0"/>
       <c:spPr>
         <a:noFill/>
@@ -2618,22 +2458,16 @@
               </a:defRPr>
             </a:pPr>
             <a:r>
-              <a:rPr lang="en-US" dirty="0" smtClean="0">
+              <a:rPr lang="en-US" dirty="0">
                 <a:solidFill>
                   <a:schemeClr val="tx1"/>
                 </a:solidFill>
               </a:rPr>
               <a:t>q</a:t>
             </a:r>
-            <a:endParaRPr lang="en-US" dirty="0">
-              <a:solidFill>
-                <a:schemeClr val="tx1"/>
-              </a:solidFill>
-            </a:endParaRPr>
           </a:p>
         </c:rich>
       </c:tx>
-      <c:layout/>
       <c:overlay val="0"/>
       <c:spPr>
         <a:noFill/>
@@ -7714,7 +7548,7 @@
           </a:ln>
           <a:extLst>
             <a:ext uri="{C572A759-6A51-4108-AA02-DFA0A04FC94B}">
-              <ma14:wrappingTextBoxFlag xmlns:ma14="http://schemas.microsoft.com/office/mac/drawingml/2011/main" xmlns:a14="http://schemas.microsoft.com/office/drawing/2010/main" xmlns:m="http://schemas.openxmlformats.org/officeDocument/2006/math" xmlns="" val="1"/>
+              <ma14:wrappingTextBoxFlag xmlns="" xmlns:m="http://schemas.openxmlformats.org/officeDocument/2006/math" xmlns:a14="http://schemas.microsoft.com/office/drawing/2010/main" xmlns:ma14="http://schemas.microsoft.com/office/mac/drawingml/2011/main" val="1"/>
             </a:ext>
           </a:extLst>
         </p:spPr>
@@ -7753,7 +7587,7 @@
           </a:ln>
           <a:extLst>
             <a:ext uri="{C572A759-6A51-4108-AA02-DFA0A04FC94B}">
-              <ma14:wrappingTextBoxFlag xmlns:ma14="http://schemas.microsoft.com/office/mac/drawingml/2011/main" xmlns:a14="http://schemas.microsoft.com/office/drawing/2010/main" xmlns:m="http://schemas.openxmlformats.org/officeDocument/2006/math" xmlns="" val="1"/>
+              <ma14:wrappingTextBoxFlag xmlns="" xmlns:m="http://schemas.openxmlformats.org/officeDocument/2006/math" xmlns:a14="http://schemas.microsoft.com/office/drawing/2010/main" xmlns:ma14="http://schemas.microsoft.com/office/mac/drawingml/2011/main" val="1"/>
             </a:ext>
           </a:extLst>
         </p:spPr>
@@ -8625,13 +8459,6 @@
     <a:masterClrMapping/>
   </p:clrMapOvr>
   <p:transition spd="med"/>
-  <p:timing>
-    <p:tnLst>
-      <p:par>
-        <p:cTn id="1" dur="indefinite" restart="never" nodeType="tmRoot"/>
-      </p:par>
-    </p:tnLst>
-  </p:timing>
 </p:sld>
 </file>
 
@@ -8737,9 +8564,7 @@
           <p:nvPr/>
         </p:nvPicPr>
         <p:blipFill>
-          <a:blip r:embed="rId2">
-            <a:extLst/>
-          </a:blip>
+          <a:blip r:embed="rId2"/>
           <a:stretch>
             <a:fillRect/>
           </a:stretch>
@@ -8776,7 +8601,7 @@
           </a:ln>
           <a:extLst>
             <a:ext uri="{C572A759-6A51-4108-AA02-DFA0A04FC94B}">
-              <ma14:wrappingTextBoxFlag xmlns:ma14="http://schemas.microsoft.com/office/mac/drawingml/2011/main" xmlns:a14="http://schemas.microsoft.com/office/drawing/2010/main" xmlns:m="http://schemas.openxmlformats.org/officeDocument/2006/math" xmlns="" val="1"/>
+              <ma14:wrappingTextBoxFlag xmlns="" xmlns:m="http://schemas.openxmlformats.org/officeDocument/2006/math" xmlns:a14="http://schemas.microsoft.com/office/drawing/2010/main" xmlns:ma14="http://schemas.microsoft.com/office/mac/drawingml/2011/main" val="1"/>
             </a:ext>
           </a:extLst>
         </p:spPr>
@@ -8812,9 +8637,7 @@
           <p:nvPr/>
         </p:nvPicPr>
         <p:blipFill>
-          <a:blip r:embed="rId3">
-            <a:extLst/>
-          </a:blip>
+          <a:blip r:embed="rId3"/>
           <a:stretch>
             <a:fillRect/>
           </a:stretch>
@@ -8838,13 +8661,6 @@
     <a:masterClrMapping/>
   </p:clrMapOvr>
   <p:transition spd="med"/>
-  <p:timing>
-    <p:tnLst>
-      <p:par>
-        <p:cTn id="1" dur="indefinite" restart="never" nodeType="tmRoot"/>
-      </p:par>
-    </p:tnLst>
-  </p:timing>
 </p:sld>
 </file>
 
@@ -8912,9 +8728,7 @@
           <p:nvPr/>
         </p:nvPicPr>
         <p:blipFill>
-          <a:blip r:embed="rId2">
-            <a:extLst/>
-          </a:blip>
+          <a:blip r:embed="rId2"/>
           <a:stretch>
             <a:fillRect/>
           </a:stretch>
@@ -8941,9 +8755,7 @@
           <p:nvPr/>
         </p:nvPicPr>
         <p:blipFill>
-          <a:blip r:embed="rId3">
-            <a:extLst/>
-          </a:blip>
+          <a:blip r:embed="rId3"/>
           <a:stretch>
             <a:fillRect/>
           </a:stretch>
@@ -8967,13 +8779,6 @@
     <a:masterClrMapping/>
   </p:clrMapOvr>
   <p:transition spd="med"/>
-  <p:timing>
-    <p:tnLst>
-      <p:par>
-        <p:cTn id="1" dur="indefinite" restart="never" nodeType="tmRoot"/>
-      </p:par>
-    </p:tnLst>
-  </p:timing>
 </p:sld>
 </file>
 
@@ -9003,9 +8808,7 @@
           <p:nvPr/>
         </p:nvPicPr>
         <p:blipFill>
-          <a:blip r:embed="rId2">
-            <a:extLst/>
-          </a:blip>
+          <a:blip r:embed="rId2"/>
           <a:stretch>
             <a:fillRect/>
           </a:stretch>
@@ -9029,13 +8832,6 @@
     <a:masterClrMapping/>
   </p:clrMapOvr>
   <p:transition spd="med"/>
-  <p:timing>
-    <p:tnLst>
-      <p:par>
-        <p:cTn id="1" dur="indefinite" restart="never" nodeType="tmRoot"/>
-      </p:par>
-    </p:tnLst>
-  </p:timing>
 </p:sld>
 </file>
 
@@ -9065,9 +8861,7 @@
           <p:nvPr/>
         </p:nvPicPr>
         <p:blipFill>
-          <a:blip r:embed="rId2">
-            <a:extLst/>
-          </a:blip>
+          <a:blip r:embed="rId2"/>
           <a:stretch>
             <a:fillRect/>
           </a:stretch>
@@ -9091,13 +8885,6 @@
     <a:masterClrMapping/>
   </p:clrMapOvr>
   <p:transition spd="med"/>
-  <p:timing>
-    <p:tnLst>
-      <p:par>
-        <p:cTn id="1" dur="indefinite" restart="never" nodeType="tmRoot"/>
-      </p:par>
-    </p:tnLst>
-  </p:timing>
 </p:sld>
 </file>
 
@@ -9127,9 +8914,7 @@
           <p:nvPr/>
         </p:nvPicPr>
         <p:blipFill>
-          <a:blip r:embed="rId2">
-            <a:extLst/>
-          </a:blip>
+          <a:blip r:embed="rId2"/>
           <a:stretch>
             <a:fillRect/>
           </a:stretch>
@@ -9153,13 +8938,6 @@
     <a:masterClrMapping/>
   </p:clrMapOvr>
   <p:transition spd="med"/>
-  <p:timing>
-    <p:tnLst>
-      <p:par>
-        <p:cTn id="1" dur="indefinite" restart="never" nodeType="tmRoot"/>
-      </p:par>
-    </p:tnLst>
-  </p:timing>
 </p:sld>
 </file>
 
@@ -9391,9 +9169,7 @@
           <p:nvPr/>
         </p:nvPicPr>
         <p:blipFill>
-          <a:blip r:embed="rId2">
-            <a:extLst/>
-          </a:blip>
+          <a:blip r:embed="rId2"/>
           <a:stretch>
             <a:fillRect/>
           </a:stretch>
@@ -9455,13 +9231,6 @@
     <a:masterClrMapping/>
   </p:clrMapOvr>
   <p:transition spd="med"/>
-  <p:timing>
-    <p:tnLst>
-      <p:par>
-        <p:cTn id="1" dur="indefinite" restart="never" nodeType="tmRoot"/>
-      </p:par>
-    </p:tnLst>
-  </p:timing>
 </p:sld>
 </file>
 
@@ -9491,9 +9260,7 @@
           <p:nvPr/>
         </p:nvPicPr>
         <p:blipFill>
-          <a:blip r:embed="rId2">
-            <a:extLst/>
-          </a:blip>
+          <a:blip r:embed="rId2"/>
           <a:stretch>
             <a:fillRect/>
           </a:stretch>
@@ -9584,9 +9351,7 @@
           <p:nvPr/>
         </p:nvPicPr>
         <p:blipFill>
-          <a:blip r:embed="rId2">
-            <a:extLst/>
-          </a:blip>
+          <a:blip r:embed="rId2"/>
           <a:stretch>
             <a:fillRect/>
           </a:stretch>
@@ -9761,13 +9526,6 @@
     <a:masterClrMapping/>
   </p:clrMapOvr>
   <p:transition spd="med"/>
-  <p:timing>
-    <p:tnLst>
-      <p:par>
-        <p:cTn id="1" dur="indefinite" restart="never" nodeType="tmRoot"/>
-      </p:par>
-    </p:tnLst>
-  </p:timing>
 </p:sld>
 </file>
 
@@ -9877,7 +9635,7 @@
           </a:ln>
           <a:extLst>
             <a:ext uri="{C572A759-6A51-4108-AA02-DFA0A04FC94B}">
-              <ma14:wrappingTextBoxFlag xmlns:ma14="http://schemas.microsoft.com/office/mac/drawingml/2011/main" xmlns:a14="http://schemas.microsoft.com/office/drawing/2010/main" xmlns:m="http://schemas.openxmlformats.org/officeDocument/2006/math" xmlns="" val="1"/>
+              <ma14:wrappingTextBoxFlag xmlns="" xmlns:m="http://schemas.openxmlformats.org/officeDocument/2006/math" xmlns:a14="http://schemas.microsoft.com/office/drawing/2010/main" xmlns:ma14="http://schemas.microsoft.com/office/mac/drawingml/2011/main" val="1"/>
             </a:ext>
           </a:extLst>
         </p:spPr>
@@ -9911,13 +9669,6 @@
     <a:masterClrMapping/>
   </p:clrMapOvr>
   <p:transition spd="med"/>
-  <p:timing>
-    <p:tnLst>
-      <p:par>
-        <p:cTn id="1" dur="indefinite" restart="never" nodeType="tmRoot"/>
-      </p:par>
-    </p:tnLst>
-  </p:timing>
 </p:sld>
 </file>
 
@@ -9973,7 +9724,7 @@
           </a:lstStyle>
           <a:p>
             <a:r>
-              <a:rPr lang="ru-RU" sz="2400" dirty="0" smtClean="0"/>
+              <a:rPr lang="ru-RU" sz="2400" dirty="0"/>
               <a:t>Ежемесячная динамика численности и средней зарплаты</a:t>
             </a:r>
             <a:endParaRPr sz="2400" dirty="0"/>
@@ -10016,13 +9767,6 @@
     <a:masterClrMapping/>
   </p:clrMapOvr>
   <p:transition spd="med"/>
-  <p:timing>
-    <p:tnLst>
-      <p:par>
-        <p:cTn id="1" dur="indefinite" restart="never" nodeType="tmRoot"/>
-      </p:par>
-    </p:tnLst>
-  </p:timing>
 </p:sld>
 </file>
 
@@ -10078,7 +9822,7 @@
           </a:lstStyle>
           <a:p>
             <a:r>
-              <a:rPr lang="ru-RU" sz="2000" dirty="0" smtClean="0"/>
+              <a:rPr lang="ru-RU" sz="2000" dirty="0"/>
               <a:t>Влияние работников с з/п 400 тыс. + на долю в численности и 1 млн+ на долю ФОТ – минимально</a:t>
             </a:r>
             <a:endParaRPr sz="2000" dirty="0"/>
@@ -10220,13 +9964,6 @@
     <a:masterClrMapping/>
   </p:clrMapOvr>
   <p:transition spd="med"/>
-  <p:timing>
-    <p:tnLst>
-      <p:par>
-        <p:cTn id="1" dur="indefinite" restart="never" nodeType="tmRoot"/>
-      </p:par>
-    </p:tnLst>
-  </p:timing>
 </p:sld>
 </file>
 
@@ -10266,7 +10003,7 @@
           </a:ln>
           <a:extLst>
             <a:ext uri="{C572A759-6A51-4108-AA02-DFA0A04FC94B}">
-              <ma14:wrappingTextBoxFlag xmlns:ma14="http://schemas.microsoft.com/office/mac/drawingml/2011/main" xmlns:a14="http://schemas.microsoft.com/office/drawing/2010/main" xmlns:m="http://schemas.openxmlformats.org/officeDocument/2006/math" xmlns="" val="1"/>
+              <ma14:wrappingTextBoxFlag xmlns="" xmlns:m="http://schemas.openxmlformats.org/officeDocument/2006/math" xmlns:a14="http://schemas.microsoft.com/office/drawing/2010/main" xmlns:ma14="http://schemas.microsoft.com/office/mac/drawingml/2011/main" val="1"/>
             </a:ext>
           </a:extLst>
         </p:spPr>
@@ -10289,15 +10026,15 @@
           </a:lstStyle>
           <a:p>
             <a:r>
-              <a:rPr dirty="0" err="1" smtClean="0"/>
+              <a:rPr dirty="0" err="1"/>
               <a:t>Описание</a:t>
             </a:r>
             <a:r>
-              <a:rPr dirty="0" smtClean="0"/>
+              <a:rPr dirty="0"/>
               <a:t> </a:t>
             </a:r>
             <a:r>
-              <a:rPr dirty="0" err="1" smtClean="0"/>
+              <a:rPr dirty="0" err="1"/>
               <a:t>подхода</a:t>
             </a:r>
             <a:endParaRPr dirty="0"/>
@@ -10340,7 +10077,7 @@
               </a:defRPr>
             </a:pPr>
             <a:r>
-              <a:rPr lang="ru-RU" sz="2000" dirty="0" smtClean="0">
+              <a:rPr lang="ru-RU" sz="2000" dirty="0">
                 <a:solidFill>
                   <a:schemeClr val="tx1"/>
                 </a:solidFill>
@@ -10359,7 +10096,7 @@
               </a:defRPr>
             </a:pPr>
             <a:r>
-              <a:rPr lang="ru-RU" sz="2000" dirty="0" smtClean="0">
+              <a:rPr lang="ru-RU" sz="2000" dirty="0">
                 <a:solidFill>
                   <a:schemeClr val="tx1"/>
                 </a:solidFill>
@@ -10378,7 +10115,7 @@
               </a:defRPr>
             </a:pPr>
             <a:r>
-              <a:rPr lang="ru-RU" sz="2000" dirty="0" smtClean="0">
+              <a:rPr lang="ru-RU" sz="2000" dirty="0">
                 <a:solidFill>
                   <a:schemeClr val="tx1"/>
                 </a:solidFill>
@@ -10510,7 +10247,7 @@
               <a:tabLst/>
             </a:pPr>
             <a:r>
-              <a:rPr kumimoji="0" lang="ru-RU" sz="1400" b="0" i="0" u="none" strike="noStrike" cap="none" spc="0" normalizeH="0" baseline="0" dirty="0" smtClean="0">
+              <a:rPr kumimoji="0" lang="ru-RU" sz="1400" b="0" i="0" u="none" strike="noStrike" cap="none" spc="0" normalizeH="0" baseline="0" dirty="0">
                 <a:ln>
                   <a:noFill/>
                 </a:ln>
@@ -10524,18 +10261,6 @@
               </a:rPr>
               <a:t>Наблюдаемые распределения</a:t>
             </a:r>
-            <a:endParaRPr kumimoji="0" lang="ru-RU" sz="1400" b="0" i="0" u="none" strike="noStrike" cap="none" spc="0" normalizeH="0" baseline="0" dirty="0">
-              <a:ln>
-                <a:noFill/>
-              </a:ln>
-              <a:solidFill>
-                <a:schemeClr val="bg2"/>
-              </a:solidFill>
-              <a:effectLst/>
-              <a:uFillTx/>
-              <a:latin typeface="Bahnschrift Light SemiCondensed" panose="020B0502040204020203" pitchFamily="34" charset="0"/>
-              <a:sym typeface="Calibri"/>
-            </a:endParaRPr>
           </a:p>
         </p:txBody>
       </p:sp>
@@ -10596,7 +10321,7 @@
               <a:tabLst/>
             </a:pPr>
             <a:r>
-              <a:rPr kumimoji="0" lang="ru-RU" sz="1400" b="0" i="0" u="none" strike="noStrike" cap="none" spc="0" normalizeH="0" baseline="0" dirty="0" smtClean="0">
+              <a:rPr kumimoji="0" lang="ru-RU" sz="1400" b="0" i="0" u="none" strike="noStrike" cap="none" spc="0" normalizeH="0" baseline="0" dirty="0">
                 <a:ln>
                   <a:noFill/>
                 </a:ln>
@@ -10611,7 +10336,7 @@
               <a:t>Оцененное </a:t>
             </a:r>
             <a:r>
-              <a:rPr kumimoji="0" lang="en-US" sz="1400" b="0" i="0" u="none" strike="noStrike" cap="none" spc="0" normalizeH="0" baseline="0" dirty="0" smtClean="0">
+              <a:rPr kumimoji="0" lang="en-US" sz="1400" b="0" i="0" u="none" strike="noStrike" cap="none" spc="0" normalizeH="0" baseline="0" dirty="0">
                 <a:ln>
                   <a:noFill/>
                 </a:ln>
@@ -10626,7 +10351,7 @@
               <a:t>vs. </a:t>
             </a:r>
             <a:r>
-              <a:rPr lang="ru-RU" sz="1400" dirty="0" smtClean="0">
+              <a:rPr lang="ru-RU" sz="1400" dirty="0">
                 <a:solidFill>
                   <a:schemeClr val="bg2"/>
                 </a:solidFill>
@@ -10635,7 +10360,7 @@
               <a:t>наблюдаемое</a:t>
             </a:r>
             <a:r>
-              <a:rPr kumimoji="0" lang="ru-RU" sz="1400" b="0" i="0" u="none" strike="noStrike" cap="none" spc="0" normalizeH="0" baseline="0" dirty="0" smtClean="0">
+              <a:rPr kumimoji="0" lang="ru-RU" sz="1400" b="0" i="0" u="none" strike="noStrike" cap="none" spc="0" normalizeH="0" baseline="0" dirty="0">
                 <a:ln>
                   <a:noFill/>
                 </a:ln>
@@ -10649,18 +10374,6 @@
               </a:rPr>
               <a:t> распределения</a:t>
             </a:r>
-            <a:endParaRPr kumimoji="0" lang="ru-RU" sz="1400" b="0" i="0" u="none" strike="noStrike" cap="none" spc="0" normalizeH="0" baseline="0" dirty="0">
-              <a:ln>
-                <a:noFill/>
-              </a:ln>
-              <a:solidFill>
-                <a:schemeClr val="bg2"/>
-              </a:solidFill>
-              <a:effectLst/>
-              <a:uFillTx/>
-              <a:latin typeface="Bahnschrift Light SemiCondensed" panose="020B0502040204020203" pitchFamily="34" charset="0"/>
-              <a:sym typeface="Calibri"/>
-            </a:endParaRPr>
           </a:p>
         </p:txBody>
       </p:sp>
@@ -10670,13 +10383,6 @@
     <a:masterClrMapping/>
   </p:clrMapOvr>
   <p:transition spd="med"/>
-  <p:timing>
-    <p:tnLst>
-      <p:par>
-        <p:cTn id="1" dur="indefinite" restart="never" nodeType="tmRoot"/>
-      </p:par>
-    </p:tnLst>
-  </p:timing>
 </p:sld>
 </file>
 
@@ -10733,19 +10439,15 @@
               </a:defRPr>
             </a:pPr>
             <a:r>
-              <a:rPr lang="ru-RU" sz="2000" dirty="0" smtClean="0"/>
-              <a:t>Для описания распределения зарплат было выбрано </a:t>
+              <a:rPr lang="ru-RU" sz="2000" dirty="0"/>
+              <a:t>Для описания распределения зарплат было выбрано ч</a:t>
             </a:r>
             <a:r>
-              <a:rPr lang="ru-RU" sz="2000" dirty="0"/>
-              <a:t>ч</a:t>
-            </a:r>
-            <a:r>
-              <a:rPr sz="2000" dirty="0" err="1" smtClean="0"/>
+              <a:rPr sz="2000" dirty="0" err="1"/>
               <a:t>етырехпараметрическое</a:t>
             </a:r>
             <a:r>
-              <a:rPr sz="2000" dirty="0" smtClean="0"/>
+              <a:rPr sz="2000" dirty="0"/>
               <a:t> </a:t>
             </a:r>
             <a:r>
@@ -10778,14 +10480,10 @@
             </a:r>
             <a:r>
               <a:rPr sz="2000" dirty="0"/>
-              <a:t> (</a:t>
+              <a:t> (GB2)</a:t>
             </a:r>
             <a:r>
-              <a:rPr sz="2000" dirty="0" smtClean="0"/>
-              <a:t>GB2)</a:t>
-            </a:r>
-            <a:r>
-              <a:rPr lang="ru-RU" sz="2000" dirty="0" smtClean="0"/>
+              <a:rPr lang="ru-RU" sz="2000" dirty="0"/>
               <a:t>. </a:t>
             </a:r>
           </a:p>
@@ -10801,10 +10499,10 @@
               </a:defRPr>
             </a:pPr>
             <a:r>
-              <a:rPr lang="ru-RU" sz="2000" dirty="0" smtClean="0"/>
+              <a:rPr lang="ru-RU" sz="2000" dirty="0"/>
               <a:t>Функция плотности:</a:t>
             </a:r>
-            <a:endParaRPr lang="en-US" sz="2000" dirty="0" smtClean="0"/>
+            <a:endParaRPr lang="en-US" sz="2000" dirty="0"/>
           </a:p>
           <a:p>
             <a:pPr marL="0" indent="0">
@@ -10830,7 +10528,7 @@
                 <a:sym typeface="Century Gothic"/>
               </a:defRPr>
             </a:pPr>
-            <a:endParaRPr lang="ru-RU" sz="2000" dirty="0" smtClean="0"/>
+            <a:endParaRPr lang="ru-RU" sz="2000" dirty="0"/>
           </a:p>
           <a:p>
             <a:pPr marL="0" indent="0">
@@ -10844,7 +10542,7 @@
               </a:defRPr>
             </a:pPr>
             <a:r>
-              <a:rPr lang="ru-RU" sz="2000" dirty="0" smtClean="0"/>
+              <a:rPr lang="ru-RU" sz="2000" dirty="0"/>
               <a:t>Обоснование выбора:</a:t>
             </a:r>
           </a:p>
@@ -10859,7 +10557,7 @@
               </a:defRPr>
             </a:pPr>
             <a:r>
-              <a:rPr lang="ru-RU" sz="2000" dirty="0" smtClean="0"/>
+              <a:rPr lang="ru-RU" sz="2000" dirty="0"/>
               <a:t>Доходы в России распределены неравномерно: значительное число людей зарабатывает до 100 тыс. руб. – это стандартная предпосылка для использования логнормального распределения</a:t>
             </a:r>
           </a:p>
@@ -10874,22 +10572,22 @@
               </a:defRPr>
             </a:pPr>
             <a:r>
-              <a:rPr lang="ru-RU" sz="2000" dirty="0" smtClean="0"/>
+              <a:rPr lang="ru-RU" sz="2000" dirty="0"/>
               <a:t>Однако есть сверхбогатые люди, доходы которых описать логнормальным распределением невозможно – в научной периодике в качестве решения такой проблемы предлагается использовать </a:t>
             </a:r>
             <a:r>
-              <a:rPr lang="en-US" sz="2000" dirty="0" smtClean="0"/>
+              <a:rPr lang="en-US" sz="2000" dirty="0"/>
               <a:t>GB</a:t>
             </a:r>
             <a:r>
-              <a:rPr lang="ru-RU" sz="2000" dirty="0" smtClean="0"/>
+              <a:rPr lang="ru-RU" sz="2000" dirty="0"/>
               <a:t>2</a:t>
             </a:r>
             <a:r>
-              <a:rPr lang="en-US" sz="1400" baseline="70000" dirty="0" smtClean="0"/>
+              <a:rPr lang="en-US" sz="1400" baseline="70000" dirty="0"/>
               <a:t>1,2</a:t>
             </a:r>
-            <a:endParaRPr lang="ru-RU" sz="1400" baseline="70000" dirty="0" smtClean="0"/>
+            <a:endParaRPr lang="ru-RU" sz="1400" baseline="70000" dirty="0"/>
           </a:p>
           <a:p>
             <a:pPr>
@@ -10901,7 +10599,7 @@
                 <a:sym typeface="Century Gothic"/>
               </a:defRPr>
             </a:pPr>
-            <a:endParaRPr lang="ru-RU" sz="2000" dirty="0" smtClean="0"/>
+            <a:endParaRPr lang="ru-RU" sz="2000" dirty="0"/>
           </a:p>
           <a:p>
             <a:pPr>
@@ -10936,7 +10634,7 @@
           </a:ln>
           <a:extLst>
             <a:ext uri="{C572A759-6A51-4108-AA02-DFA0A04FC94B}">
-              <ma14:wrappingTextBoxFlag xmlns:ma14="http://schemas.microsoft.com/office/mac/drawingml/2011/main" xmlns:a14="http://schemas.microsoft.com/office/drawing/2010/main" xmlns:m="http://schemas.openxmlformats.org/officeDocument/2006/math" xmlns="" val="1"/>
+              <ma14:wrappingTextBoxFlag xmlns="" xmlns:m="http://schemas.openxmlformats.org/officeDocument/2006/math" xmlns:a14="http://schemas.microsoft.com/office/drawing/2010/main" xmlns:ma14="http://schemas.microsoft.com/office/mac/drawingml/2011/main" val="1"/>
             </a:ext>
           </a:extLst>
         </p:spPr>
@@ -10959,7 +10657,7 @@
           </a:lstStyle>
           <a:p>
             <a:r>
-              <a:rPr lang="ru-RU" dirty="0" smtClean="0"/>
+              <a:rPr lang="ru-RU" dirty="0"/>
               <a:t>Выбор закона распределения</a:t>
             </a:r>
             <a:endParaRPr dirty="0"/>
@@ -11023,7 +10721,7 @@
               <a:tabLst/>
             </a:pPr>
             <a:r>
-              <a:rPr kumimoji="0" lang="en-US" sz="1000" b="0" i="0" u="none" strike="noStrike" cap="none" spc="0" normalizeH="0" baseline="0" dirty="0" smtClean="0">
+              <a:rPr kumimoji="0" lang="en-US" sz="1000" b="0" i="0" u="none" strike="noStrike" cap="none" spc="0" normalizeH="0" baseline="0" dirty="0">
                 <a:ln>
                   <a:noFill/>
                 </a:ln>
@@ -11038,7 +10736,7 @@
               <a:t>McDonald J. B., Xu Y.</a:t>
             </a:r>
             <a:r>
-              <a:rPr kumimoji="0" lang="en-US" sz="1000" b="0" i="0" u="none" strike="noStrike" cap="none" spc="0" normalizeH="0" dirty="0" smtClean="0">
+              <a:rPr kumimoji="0" lang="en-US" sz="1000" b="0" i="0" u="none" strike="noStrike" cap="none" spc="0" normalizeH="0" dirty="0">
                 <a:ln>
                   <a:noFill/>
                 </a:ln>
@@ -11053,13 +10751,13 @@
               <a:t> </a:t>
             </a:r>
             <a:r>
-              <a:rPr lang="en-US" sz="1000" dirty="0" smtClean="0">
+              <a:rPr lang="en-US" sz="1000" dirty="0">
                 <a:latin typeface="Century Gothic" panose="020B0502020202020204" pitchFamily="34" charset="0"/>
               </a:rPr>
               <a:t>J. (1995) A generalization of the beta distribution with applications. </a:t>
             </a:r>
             <a:r>
-              <a:rPr lang="en-US" sz="1000" i="1" dirty="0" smtClean="0">
+              <a:rPr lang="en-US" sz="1000" i="1" dirty="0">
                 <a:latin typeface="Century Gothic" panose="020B0502020202020204" pitchFamily="34" charset="0"/>
               </a:rPr>
               <a:t>Journal of Econometrics, 66 (1-2), 133-152</a:t>
@@ -11095,13 +10793,13 @@
               <a:t>Пересецкий</a:t>
             </a:r>
             <a:r>
-              <a:rPr lang="ru-RU" sz="1000" dirty="0" smtClean="0">
+              <a:rPr lang="ru-RU" sz="1000" dirty="0">
                 <a:latin typeface="Century Gothic" panose="020B0502020202020204" pitchFamily="34" charset="0"/>
               </a:rPr>
               <a:t>,</a:t>
             </a:r>
             <a:r>
-              <a:rPr lang="en-US" sz="1000" dirty="0" smtClean="0">
+              <a:rPr lang="en-US" sz="1000" dirty="0">
                 <a:latin typeface="Century Gothic" panose="020B0502020202020204" pitchFamily="34" charset="0"/>
               </a:rPr>
               <a:t> </a:t>
@@ -11110,35 +10808,14 @@
               <a:rPr lang="ru-RU" sz="1000" dirty="0">
                 <a:latin typeface="Century Gothic" panose="020B0502020202020204" pitchFamily="34" charset="0"/>
               </a:rPr>
-              <a:t>М</a:t>
-            </a:r>
-            <a:r>
-              <a:rPr lang="ru-RU" sz="1000" dirty="0" smtClean="0">
-                <a:latin typeface="Century Gothic" panose="020B0502020202020204" pitchFamily="34" charset="0"/>
-              </a:rPr>
-              <a:t>оделирование  динамики распределения доходов в России. </a:t>
-            </a:r>
-            <a:r>
-              <a:rPr lang="ru-RU" sz="1000" i="1" dirty="0" smtClean="0">
-                <a:latin typeface="Century Gothic" panose="020B0502020202020204" pitchFamily="34" charset="0"/>
-              </a:rPr>
-              <a:t>Прикладная </a:t>
+              <a:t>Моделирование  динамики распределения доходов в России. </a:t>
             </a:r>
             <a:r>
               <a:rPr lang="ru-RU" sz="1000" i="1" dirty="0">
                 <a:latin typeface="Century Gothic" panose="020B0502020202020204" pitchFamily="34" charset="0"/>
               </a:rPr>
-              <a:t>эконометрика, 2019, т. 54, с. </a:t>
+              <a:t>Прикладная эконометрика, 2019, т. 54, с. 105-125</a:t>
             </a:r>
-            <a:r>
-              <a:rPr lang="ru-RU" sz="1000" i="1" dirty="0" smtClean="0">
-                <a:latin typeface="Century Gothic" panose="020B0502020202020204" pitchFamily="34" charset="0"/>
-              </a:rPr>
-              <a:t>105-125</a:t>
-            </a:r>
-            <a:endParaRPr lang="ru-RU" sz="1000" i="1" dirty="0">
-              <a:latin typeface="Century Gothic" panose="020B0502020202020204" pitchFamily="34" charset="0"/>
-            </a:endParaRPr>
           </a:p>
         </p:txBody>
       </p:sp>
@@ -11202,13 +10879,6 @@
     <a:masterClrMapping/>
   </p:clrMapOvr>
   <p:transition spd="med"/>
-  <p:timing>
-    <p:tnLst>
-      <p:par>
-        <p:cTn id="1" dur="indefinite" restart="never" nodeType="tmRoot"/>
-      </p:par>
-    </p:tnLst>
-  </p:timing>
 </p:sld>
 </file>
 
@@ -11359,7 +11029,7 @@
           </a:ln>
           <a:extLst>
             <a:ext uri="{C572A759-6A51-4108-AA02-DFA0A04FC94B}">
-              <ma14:wrappingTextBoxFlag xmlns:ma14="http://schemas.microsoft.com/office/mac/drawingml/2011/main" xmlns:a14="http://schemas.microsoft.com/office/drawing/2010/main" xmlns:m="http://schemas.openxmlformats.org/officeDocument/2006/math" xmlns="" val="1"/>
+              <ma14:wrappingTextBoxFlag xmlns="" xmlns:m="http://schemas.openxmlformats.org/officeDocument/2006/math" xmlns:a14="http://schemas.microsoft.com/office/drawing/2010/main" xmlns:ma14="http://schemas.microsoft.com/office/mac/drawingml/2011/main" val="1"/>
             </a:ext>
           </a:extLst>
         </p:spPr>
@@ -11382,7 +11052,7 @@
           </a:lstStyle>
           <a:p>
             <a:r>
-              <a:rPr lang="ru-RU" dirty="0" smtClean="0"/>
+              <a:rPr lang="ru-RU" dirty="0"/>
               <a:t>Динамика параметров распределения</a:t>
             </a:r>
             <a:endParaRPr dirty="0"/>
@@ -11454,13 +11124,6 @@
     <a:masterClrMapping/>
   </p:clrMapOvr>
   <p:transition spd="med"/>
-  <p:timing>
-    <p:tnLst>
-      <p:par>
-        <p:cTn id="1" dur="indefinite" restart="never" nodeType="tmRoot"/>
-      </p:par>
-    </p:tnLst>
-  </p:timing>
 </p:sld>
 </file>
 
@@ -11500,7 +11163,7 @@
           </a:ln>
           <a:extLst>
             <a:ext uri="{C572A759-6A51-4108-AA02-DFA0A04FC94B}">
-              <ma14:wrappingTextBoxFlag xmlns:ma14="http://schemas.microsoft.com/office/mac/drawingml/2011/main" xmlns:a14="http://schemas.microsoft.com/office/drawing/2010/main" xmlns:m="http://schemas.openxmlformats.org/officeDocument/2006/math" xmlns="" val="1"/>
+              <ma14:wrappingTextBoxFlag xmlns="" xmlns:m="http://schemas.openxmlformats.org/officeDocument/2006/math" xmlns:a14="http://schemas.microsoft.com/office/drawing/2010/main" xmlns:ma14="http://schemas.microsoft.com/office/mac/drawingml/2011/main" val="1"/>
             </a:ext>
           </a:extLst>
         </p:spPr>
@@ -12399,13 +12062,6 @@
     <a:masterClrMapping/>
   </p:clrMapOvr>
   <p:transition spd="med"/>
-  <p:timing>
-    <p:tnLst>
-      <p:par>
-        <p:cTn id="1" dur="indefinite" restart="never" nodeType="tmRoot"/>
-      </p:par>
-    </p:tnLst>
-  </p:timing>
 </p:sld>
 </file>
 
